--- a/Project/Resources/presentation (1).pptx
+++ b/Project/Resources/presentation (1).pptx
@@ -10,27 +10,26 @@
     <p:sldMasterId id="2147483697" r:id="rId6"/>
   </p:sldMasterIdLst>
   <p:notesMasterIdLst>
-    <p:notesMasterId r:id="rId22"/>
+    <p:notesMasterId r:id="rId21"/>
   </p:notesMasterIdLst>
   <p:handoutMasterIdLst>
-    <p:handoutMasterId r:id="rId23"/>
+    <p:handoutMasterId r:id="rId22"/>
   </p:handoutMasterIdLst>
   <p:sldIdLst>
     <p:sldId id="355" r:id="rId7"/>
     <p:sldId id="356" r:id="rId8"/>
     <p:sldId id="357" r:id="rId9"/>
-    <p:sldId id="358" r:id="rId10"/>
-    <p:sldId id="359" r:id="rId11"/>
-    <p:sldId id="360" r:id="rId12"/>
-    <p:sldId id="361" r:id="rId13"/>
-    <p:sldId id="367" r:id="rId14"/>
-    <p:sldId id="363" r:id="rId15"/>
-    <p:sldId id="364" r:id="rId16"/>
-    <p:sldId id="362" r:id="rId17"/>
-    <p:sldId id="368" r:id="rId18"/>
-    <p:sldId id="369" r:id="rId19"/>
-    <p:sldId id="366" r:id="rId20"/>
-    <p:sldId id="365" r:id="rId21"/>
+    <p:sldId id="359" r:id="rId10"/>
+    <p:sldId id="360" r:id="rId11"/>
+    <p:sldId id="361" r:id="rId12"/>
+    <p:sldId id="367" r:id="rId13"/>
+    <p:sldId id="363" r:id="rId14"/>
+    <p:sldId id="364" r:id="rId15"/>
+    <p:sldId id="362" r:id="rId16"/>
+    <p:sldId id="368" r:id="rId17"/>
+    <p:sldId id="369" r:id="rId18"/>
+    <p:sldId id="366" r:id="rId19"/>
+    <p:sldId id="365" r:id="rId20"/>
   </p:sldIdLst>
   <p:sldSz cx="9144000" cy="6858000" type="screen4x3"/>
   <p:notesSz cx="9925050" cy="6665913"/>
@@ -990,30 +989,47 @@
           <a:bodyPr/>
           <a:lstStyle/>
           <a:p>
-            <a:pPr marL="461963" lvl="1" indent="-285750">
-              <a:buFont typeface="Courier New" panose="02070309020205020404" pitchFamily="49" charset="0"/>
-              <a:buChar char="o"/>
+            <a:pPr marL="285750" indent="-285750">
+              <a:buFont typeface="Arial" panose="020B0604020202020204" pitchFamily="34" charset="0"/>
+              <a:buChar char="•"/>
             </a:pPr>
             <a:r>
               <a:rPr lang="en-US" dirty="0"/>
-              <a:t>However, this simplistic method may not yield accurate results, especially when dealing with views from different angles</a:t>
-            </a:r>
-          </a:p>
-          <a:p>
-            <a:pPr marL="461963" lvl="1" indent="-285750">
-              <a:buFont typeface="Courier New" panose="02070309020205020404" pitchFamily="49" charset="0"/>
-              <a:buChar char="o"/>
+              <a:t>This approach is to represent a 2D image as a sequence of patches</a:t>
+            </a:r>
+          </a:p>
+          <a:p>
+            <a:pPr marL="285750" indent="-285750">
+              <a:buFont typeface="Arial" panose="020B0604020202020204" pitchFamily="34" charset="0"/>
+              <a:buChar char="•"/>
             </a:pPr>
             <a:endParaRPr lang="en-US" dirty="0"/>
           </a:p>
           <a:p>
-            <a:pPr marL="461963" lvl="1" indent="-285750">
-              <a:buFont typeface="Courier New" panose="02070309020205020404" pitchFamily="49" charset="0"/>
-              <a:buChar char="o"/>
+            <a:pPr marL="285750" indent="-285750">
+              <a:buFont typeface="Arial" panose="020B0604020202020204" pitchFamily="34" charset="0"/>
+              <a:buChar char="•"/>
             </a:pPr>
             <a:r>
               <a:rPr lang="en-US" dirty="0"/>
-              <a:t>To address this limitation, we propose a view fusion transformer that learns how to effectively combine multiple views for improved fusion.</a:t>
+              <a:t>Each patch is transformed into a higher-dimensional vector, which is subsequently fed into a transformer model</a:t>
+            </a:r>
+          </a:p>
+          <a:p>
+            <a:pPr marL="285750" indent="-285750">
+              <a:buFont typeface="Arial" panose="020B0604020202020204" pitchFamily="34" charset="0"/>
+              <a:buChar char="•"/>
+            </a:pPr>
+            <a:endParaRPr lang="en-US" dirty="0"/>
+          </a:p>
+          <a:p>
+            <a:pPr marL="285750" indent="-285750">
+              <a:buFont typeface="Arial" panose="020B0604020202020204" pitchFamily="34" charset="0"/>
+              <a:buChar char="•"/>
+            </a:pPr>
+            <a:r>
+              <a:rPr lang="en-US" dirty="0"/>
+              <a:t>In multi-view image fusion, the conventional approach involves averaging the features from all image views</a:t>
             </a:r>
           </a:p>
           <a:p>
@@ -1053,7 +1069,7 @@
     </p:spTree>
     <p:extLst>
       <p:ext uri="{BB962C8B-B14F-4D97-AF65-F5344CB8AC3E}">
-        <p14:creationId xmlns:p14="http://schemas.microsoft.com/office/powerpoint/2010/main" val="2926556534"/>
+        <p14:creationId xmlns:p14="http://schemas.microsoft.com/office/powerpoint/2010/main" val="4273629943"/>
       </p:ext>
     </p:extLst>
   </p:cSld>
@@ -1220,7 +1236,7 @@
               <a:pPr>
                 <a:defRPr/>
               </a:pPr>
-              <a:t>6</a:t>
+              <a:t>5</a:t>
             </a:fld>
             <a:endParaRPr lang="en-GB"/>
           </a:p>
@@ -1310,7 +1326,7 @@
               <a:pPr>
                 <a:defRPr/>
               </a:pPr>
-              <a:t>7</a:t>
+              <a:t>6</a:t>
             </a:fld>
             <a:endParaRPr lang="en-GB"/>
           </a:p>
@@ -1400,7 +1416,7 @@
               <a:pPr>
                 <a:defRPr/>
               </a:pPr>
-              <a:t>9</a:t>
+              <a:t>8</a:t>
             </a:fld>
             <a:endParaRPr lang="en-GB"/>
           </a:p>
@@ -1490,7 +1506,7 @@
               <a:pPr>
                 <a:defRPr/>
               </a:pPr>
-              <a:t>10</a:t>
+              <a:t>9</a:t>
             </a:fld>
             <a:endParaRPr lang="en-GB"/>
           </a:p>
@@ -1580,7 +1596,7 @@
               <a:pPr>
                 <a:defRPr/>
               </a:pPr>
-              <a:t>11</a:t>
+              <a:t>10</a:t>
             </a:fld>
             <a:endParaRPr lang="en-GB"/>
           </a:p>
@@ -1670,7 +1686,7 @@
               <a:pPr>
                 <a:defRPr/>
               </a:pPr>
-              <a:t>14</a:t>
+              <a:t>13</a:t>
             </a:fld>
             <a:endParaRPr lang="en-GB"/>
           </a:p>
@@ -1760,7 +1776,7 @@
               <a:pPr>
                 <a:defRPr/>
               </a:pPr>
-              <a:t>15</a:t>
+              <a:t>14</a:t>
             </a:fld>
             <a:endParaRPr lang="en-GB"/>
           </a:p>
@@ -10199,7 +10215,7 @@
           <a:p>
             <a:r>
               <a:rPr lang="en-US" dirty="0"/>
-              <a:t>Results</a:t>
+              <a:t>Average &amp; Deep Fusion Reconstructions</a:t>
             </a:r>
           </a:p>
         </p:txBody>
@@ -10220,12 +10236,7 @@
             <p:ph idx="1"/>
           </p:nvPr>
         </p:nvSpPr>
-        <p:spPr>
-          <a:xfrm>
-            <a:off x="319090" y="2880362"/>
-            <a:ext cx="8508999" cy="3581398"/>
-          </a:xfrm>
-        </p:spPr>
+        <p:spPr/>
         <p:txBody>
           <a:bodyPr/>
           <a:lstStyle/>
@@ -10260,66 +10271,12 @@
           </a:p>
         </p:txBody>
       </p:sp>
-      <p:sp>
-        <p:nvSpPr>
-          <p:cNvPr id="6" name="TextBox 5">
+      <p:pic>
+        <p:nvPicPr>
+          <p:cNvPr id="6" name="Picture 5">
             <a:extLst>
               <a:ext uri="{FF2B5EF4-FFF2-40B4-BE49-F238E27FC236}">
-                <a16:creationId xmlns:a16="http://schemas.microsoft.com/office/drawing/2014/main" id="{2C9A65F4-3E8D-4940-17F3-4D506B0EA01F}"/>
-              </a:ext>
-            </a:extLst>
-          </p:cNvPr>
-          <p:cNvSpPr txBox="1"/>
-          <p:nvPr/>
-        </p:nvSpPr>
-        <p:spPr>
-          <a:xfrm>
-            <a:off x="385763" y="1628775"/>
-            <a:ext cx="8441171" cy="537968"/>
-          </a:xfrm>
-          <a:prstGeom prst="rect">
-            <a:avLst/>
-          </a:prstGeom>
-          <a:noFill/>
-        </p:spPr>
-        <p:txBody>
-          <a:bodyPr wrap="square" lIns="0" tIns="0" rIns="0" bIns="0" rtlCol="0">
-            <a:spAutoFit/>
-          </a:bodyPr>
-          <a:lstStyle/>
-          <a:p>
-            <a:pPr>
-              <a:lnSpc>
-                <a:spcPct val="114000"/>
-              </a:lnSpc>
-            </a:pPr>
-            <a:r>
-              <a:rPr lang="en-US" sz="1600" dirty="0">
-                <a:latin typeface="+mn-lt"/>
-              </a:rPr>
-              <a:t>Performance results of various models in the multi-view setting, measured by the overall Intersection over Union (</a:t>
-            </a:r>
-            <a:r>
-              <a:rPr lang="en-US" sz="1600" dirty="0" err="1">
-                <a:latin typeface="+mn-lt"/>
-              </a:rPr>
-              <a:t>IoU</a:t>
-            </a:r>
-            <a:r>
-              <a:rPr lang="en-US" sz="1600" dirty="0">
-                <a:latin typeface="+mn-lt"/>
-              </a:rPr>
-              <a:t>) across all classes.</a:t>
-            </a:r>
-          </a:p>
-        </p:txBody>
-      </p:sp>
-      <p:pic>
-        <p:nvPicPr>
-          <p:cNvPr id="7" name="Picture 6">
-            <a:extLst>
-              <a:ext uri="{FF2B5EF4-FFF2-40B4-BE49-F238E27FC236}">
-                <a16:creationId xmlns:a16="http://schemas.microsoft.com/office/drawing/2014/main" id="{6F6493E2-48F2-23E6-787D-6D0319822C62}"/>
+                <a16:creationId xmlns:a16="http://schemas.microsoft.com/office/drawing/2014/main" id="{69387020-C0CC-4F33-A1B9-43B66517E0FF}"/>
               </a:ext>
             </a:extLst>
           </p:cNvPr>
@@ -10336,8 +10293,8 @@
         </p:blipFill>
         <p:spPr>
           <a:xfrm>
-            <a:off x="295089" y="3012531"/>
-            <a:ext cx="8529821" cy="1259741"/>
+            <a:off x="1047431" y="1654795"/>
+            <a:ext cx="7210117" cy="4699572"/>
           </a:xfrm>
           <a:prstGeom prst="rect">
             <a:avLst/>
@@ -10347,7 +10304,7 @@
     </p:spTree>
     <p:extLst>
       <p:ext uri="{BB962C8B-B14F-4D97-AF65-F5344CB8AC3E}">
-        <p14:creationId xmlns:p14="http://schemas.microsoft.com/office/powerpoint/2010/main" val="3165445263"/>
+        <p14:creationId xmlns:p14="http://schemas.microsoft.com/office/powerpoint/2010/main" val="3394191201"/>
       </p:ext>
     </p:extLst>
   </p:cSld>
@@ -10379,7 +10336,7 @@
           <p:cNvPr id="3" name="Slide Number Placeholder 2">
             <a:extLst>
               <a:ext uri="{FF2B5EF4-FFF2-40B4-BE49-F238E27FC236}">
-                <a16:creationId xmlns:a16="http://schemas.microsoft.com/office/drawing/2014/main" id="{A94A60AC-B9B3-AF59-E847-984597B2945A}"/>
+                <a16:creationId xmlns:a16="http://schemas.microsoft.com/office/drawing/2014/main" id="{5C18FE90-F9A8-4E5B-94BD-EB1E04E326D3}"/>
               </a:ext>
             </a:extLst>
           </p:cNvPr>
@@ -10399,175 +10356,6 @@
               <a:rPr lang="de-DE" smtClean="0"/>
               <a:pPr/>
               <a:t>11</a:t>
-            </a:fld>
-            <a:endParaRPr lang="de-DE" dirty="0"/>
-          </a:p>
-        </p:txBody>
-      </p:sp>
-      <p:sp>
-        <p:nvSpPr>
-          <p:cNvPr id="5" name="Title 4">
-            <a:extLst>
-              <a:ext uri="{FF2B5EF4-FFF2-40B4-BE49-F238E27FC236}">
-                <a16:creationId xmlns:a16="http://schemas.microsoft.com/office/drawing/2014/main" id="{390DBEAC-D603-E343-552D-9EB20251DA02}"/>
-              </a:ext>
-            </a:extLst>
-          </p:cNvPr>
-          <p:cNvSpPr>
-            <a:spLocks noGrp="1"/>
-          </p:cNvSpPr>
-          <p:nvPr>
-            <p:ph type="title"/>
-          </p:nvPr>
-        </p:nvSpPr>
-        <p:spPr/>
-        <p:txBody>
-          <a:bodyPr/>
-          <a:lstStyle/>
-          <a:p>
-            <a:r>
-              <a:rPr lang="en-US" dirty="0"/>
-              <a:t>Average &amp; Deep Fusion Reconstructions</a:t>
-            </a:r>
-          </a:p>
-        </p:txBody>
-      </p:sp>
-      <p:sp>
-        <p:nvSpPr>
-          <p:cNvPr id="4" name="Content Placeholder 3">
-            <a:extLst>
-              <a:ext uri="{FF2B5EF4-FFF2-40B4-BE49-F238E27FC236}">
-                <a16:creationId xmlns:a16="http://schemas.microsoft.com/office/drawing/2014/main" id="{48405292-3E50-4195-8E6A-AAD213C54DC2}"/>
-              </a:ext>
-            </a:extLst>
-          </p:cNvPr>
-          <p:cNvSpPr>
-            <a:spLocks noGrp="1"/>
-          </p:cNvSpPr>
-          <p:nvPr>
-            <p:ph idx="1"/>
-          </p:nvPr>
-        </p:nvSpPr>
-        <p:spPr/>
-        <p:txBody>
-          <a:bodyPr/>
-          <a:lstStyle/>
-          <a:p>
-            <a:pPr marL="461963" lvl="1" indent="-285750">
-              <a:buFont typeface="Arial" panose="020B0604020202020204" pitchFamily="34" charset="0"/>
-              <a:buChar char="•"/>
-            </a:pPr>
-            <a:endParaRPr lang="en-GB" sz="1800" dirty="0">
-              <a:effectLst/>
-              <a:latin typeface="NimbusRomNo9L"/>
-            </a:endParaRPr>
-          </a:p>
-          <a:p>
-            <a:pPr marL="285750" indent="-285750">
-              <a:buFont typeface="Arial" panose="020B0604020202020204" pitchFamily="34" charset="0"/>
-              <a:buChar char="•"/>
-            </a:pPr>
-            <a:endParaRPr lang="en-GB" sz="1800" dirty="0">
-              <a:latin typeface="NimbusRomNo9L"/>
-            </a:endParaRPr>
-          </a:p>
-          <a:p>
-            <a:pPr marL="285750" indent="-285750">
-              <a:buFont typeface="Arial" panose="020B0604020202020204" pitchFamily="34" charset="0"/>
-              <a:buChar char="•"/>
-            </a:pPr>
-            <a:endParaRPr lang="en-GB" dirty="0"/>
-          </a:p>
-          <a:p>
-            <a:endParaRPr lang="en-US" dirty="0"/>
-          </a:p>
-        </p:txBody>
-      </p:sp>
-      <p:pic>
-        <p:nvPicPr>
-          <p:cNvPr id="6" name="Picture 5">
-            <a:extLst>
-              <a:ext uri="{FF2B5EF4-FFF2-40B4-BE49-F238E27FC236}">
-                <a16:creationId xmlns:a16="http://schemas.microsoft.com/office/drawing/2014/main" id="{69387020-C0CC-4F33-A1B9-43B66517E0FF}"/>
-              </a:ext>
-            </a:extLst>
-          </p:cNvPr>
-          <p:cNvPicPr>
-            <a:picLocks noChangeAspect="1"/>
-          </p:cNvPicPr>
-          <p:nvPr/>
-        </p:nvPicPr>
-        <p:blipFill>
-          <a:blip r:embed="rId3"/>
-          <a:stretch>
-            <a:fillRect/>
-          </a:stretch>
-        </p:blipFill>
-        <p:spPr>
-          <a:xfrm>
-            <a:off x="1280134" y="1404703"/>
-            <a:ext cx="6384316" cy="4161313"/>
-          </a:xfrm>
-          <a:prstGeom prst="rect">
-            <a:avLst/>
-          </a:prstGeom>
-        </p:spPr>
-      </p:pic>
-    </p:spTree>
-    <p:extLst>
-      <p:ext uri="{BB962C8B-B14F-4D97-AF65-F5344CB8AC3E}">
-        <p14:creationId xmlns:p14="http://schemas.microsoft.com/office/powerpoint/2010/main" val="3394191201"/>
-      </p:ext>
-    </p:extLst>
-  </p:cSld>
-  <p:clrMapOvr>
-    <a:masterClrMapping/>
-  </p:clrMapOvr>
-</p:sld>
-</file>
-
-<file path=ppt/slides/slide12.xml><?xml version="1.0" encoding="utf-8"?>
-<p:sld xmlns:a="http://schemas.openxmlformats.org/drawingml/2006/main" xmlns:r="http://schemas.openxmlformats.org/officeDocument/2006/relationships" xmlns:p="http://schemas.openxmlformats.org/presentationml/2006/main">
-  <p:cSld>
-    <p:spTree>
-      <p:nvGrpSpPr>
-        <p:cNvPr id="1" name=""/>
-        <p:cNvGrpSpPr/>
-        <p:nvPr/>
-      </p:nvGrpSpPr>
-      <p:grpSpPr>
-        <a:xfrm>
-          <a:off x="0" y="0"/>
-          <a:ext cx="0" cy="0"/>
-          <a:chOff x="0" y="0"/>
-          <a:chExt cx="0" cy="0"/>
-        </a:xfrm>
-      </p:grpSpPr>
-      <p:sp>
-        <p:nvSpPr>
-          <p:cNvPr id="3" name="Slide Number Placeholder 2">
-            <a:extLst>
-              <a:ext uri="{FF2B5EF4-FFF2-40B4-BE49-F238E27FC236}">
-                <a16:creationId xmlns:a16="http://schemas.microsoft.com/office/drawing/2014/main" id="{5C18FE90-F9A8-4E5B-94BD-EB1E04E326D3}"/>
-              </a:ext>
-            </a:extLst>
-          </p:cNvPr>
-          <p:cNvSpPr>
-            <a:spLocks noGrp="1"/>
-          </p:cNvSpPr>
-          <p:nvPr>
-            <p:ph type="sldNum" sz="quarter" idx="11"/>
-          </p:nvPr>
-        </p:nvSpPr>
-        <p:spPr/>
-        <p:txBody>
-          <a:bodyPr/>
-          <a:lstStyle/>
-          <a:p>
-            <a:fld id="{CE58CB1E-F828-4F11-99E0-327109AF9DA4}" type="slidenum">
-              <a:rPr lang="de-DE" smtClean="0"/>
-              <a:pPr/>
-              <a:t>12</a:t>
             </a:fld>
             <a:endParaRPr lang="de-DE" dirty="0"/>
           </a:p>
@@ -10762,7 +10550,7 @@
 </p:sld>
 </file>
 
-<file path=ppt/slides/slide13.xml><?xml version="1.0" encoding="utf-8"?>
+<file path=ppt/slides/slide12.xml><?xml version="1.0" encoding="utf-8"?>
 <p:sld xmlns:a="http://schemas.openxmlformats.org/drawingml/2006/main" xmlns:r="http://schemas.openxmlformats.org/officeDocument/2006/relationships" xmlns:p="http://schemas.openxmlformats.org/presentationml/2006/main">
   <p:cSld>
     <p:spTree>
@@ -10832,7 +10620,7 @@
             <a:fld id="{CE58CB1E-F828-4F11-99E0-327109AF9DA4}" type="slidenum">
               <a:rPr lang="de-DE" smtClean="0"/>
               <a:pPr/>
-              <a:t>13</a:t>
+              <a:t>12</a:t>
             </a:fld>
             <a:endParaRPr lang="de-DE" dirty="0"/>
           </a:p>
@@ -10860,7 +10648,7 @@
           <a:lstStyle/>
           <a:p>
             <a:r>
-              <a:rPr lang="de-DE"/>
+              <a:rPr lang="de-DE" dirty="0"/>
               <a:t>Dr. rer. nat. Erika Mustermann (TUM) | kann beliebig erweitert werden | Infos mit Strich trennen</a:t>
             </a:r>
             <a:endParaRPr lang="en-US" dirty="0"/>
@@ -10998,6 +10786,109 @@
 </p:sld>
 </file>
 
+<file path=ppt/slides/slide13.xml><?xml version="1.0" encoding="utf-8"?>
+<p:sld xmlns:a="http://schemas.openxmlformats.org/drawingml/2006/main" xmlns:r="http://schemas.openxmlformats.org/officeDocument/2006/relationships" xmlns:p="http://schemas.openxmlformats.org/presentationml/2006/main">
+  <p:cSld>
+    <p:spTree>
+      <p:nvGrpSpPr>
+        <p:cNvPr id="1" name=""/>
+        <p:cNvGrpSpPr/>
+        <p:nvPr/>
+      </p:nvGrpSpPr>
+      <p:grpSpPr>
+        <a:xfrm>
+          <a:off x="0" y="0"/>
+          <a:ext cx="0" cy="0"/>
+          <a:chOff x="0" y="0"/>
+          <a:chExt cx="0" cy="0"/>
+        </a:xfrm>
+      </p:grpSpPr>
+      <p:sp>
+        <p:nvSpPr>
+          <p:cNvPr id="3" name="Slide Number Placeholder 2">
+            <a:extLst>
+              <a:ext uri="{FF2B5EF4-FFF2-40B4-BE49-F238E27FC236}">
+                <a16:creationId xmlns:a16="http://schemas.microsoft.com/office/drawing/2014/main" id="{A94A60AC-B9B3-AF59-E847-984597B2945A}"/>
+              </a:ext>
+            </a:extLst>
+          </p:cNvPr>
+          <p:cNvSpPr>
+            <a:spLocks noGrp="1"/>
+          </p:cNvSpPr>
+          <p:nvPr>
+            <p:ph type="sldNum" sz="quarter" idx="11"/>
+          </p:nvPr>
+        </p:nvSpPr>
+        <p:spPr/>
+        <p:txBody>
+          <a:bodyPr/>
+          <a:lstStyle/>
+          <a:p>
+            <a:fld id="{CE58CB1E-F828-4F11-99E0-327109AF9DA4}" type="slidenum">
+              <a:rPr lang="de-DE" smtClean="0"/>
+              <a:pPr/>
+              <a:t>13</a:t>
+            </a:fld>
+            <a:endParaRPr lang="de-DE" dirty="0"/>
+          </a:p>
+        </p:txBody>
+      </p:sp>
+      <p:sp>
+        <p:nvSpPr>
+          <p:cNvPr id="9" name="TextBox 8">
+            <a:extLst>
+              <a:ext uri="{FF2B5EF4-FFF2-40B4-BE49-F238E27FC236}">
+                <a16:creationId xmlns:a16="http://schemas.microsoft.com/office/drawing/2014/main" id="{3F2376FE-5249-9664-3A64-1EE8181EA4C2}"/>
+              </a:ext>
+            </a:extLst>
+          </p:cNvPr>
+          <p:cNvSpPr txBox="1"/>
+          <p:nvPr/>
+        </p:nvSpPr>
+        <p:spPr>
+          <a:xfrm>
+            <a:off x="1125140" y="2521744"/>
+            <a:ext cx="6893719" cy="1543436"/>
+          </a:xfrm>
+          <a:prstGeom prst="rect">
+            <a:avLst/>
+          </a:prstGeom>
+          <a:noFill/>
+        </p:spPr>
+        <p:txBody>
+          <a:bodyPr wrap="square" lIns="0" tIns="0" rIns="0" bIns="0" rtlCol="0">
+            <a:spAutoFit/>
+          </a:bodyPr>
+          <a:lstStyle/>
+          <a:p>
+            <a:pPr>
+              <a:lnSpc>
+                <a:spcPct val="114000"/>
+              </a:lnSpc>
+            </a:pPr>
+            <a:r>
+              <a:rPr lang="en-US" sz="9600" b="1" dirty="0">
+                <a:latin typeface="+mj-lt"/>
+                <a:ea typeface="Apple Color Emoji" pitchFamily="2" charset="0"/>
+              </a:rPr>
+              <a:t>Thank You!</a:t>
+            </a:r>
+          </a:p>
+        </p:txBody>
+      </p:sp>
+    </p:spTree>
+    <p:extLst>
+      <p:ext uri="{BB962C8B-B14F-4D97-AF65-F5344CB8AC3E}">
+        <p14:creationId xmlns:p14="http://schemas.microsoft.com/office/powerpoint/2010/main" val="3532066813"/>
+      </p:ext>
+    </p:extLst>
+  </p:cSld>
+  <p:clrMapOvr>
+    <a:masterClrMapping/>
+  </p:clrMapOvr>
+</p:sld>
+</file>
+
 <file path=ppt/slides/slide14.xml><?xml version="1.0" encoding="utf-8"?>
 <p:sld xmlns:a="http://schemas.openxmlformats.org/drawingml/2006/main" xmlns:r="http://schemas.openxmlformats.org/officeDocument/2006/relationships" xmlns:p="http://schemas.openxmlformats.org/presentationml/2006/main">
   <p:cSld>
@@ -11040,109 +10931,6 @@
               <a:rPr lang="de-DE" smtClean="0"/>
               <a:pPr/>
               <a:t>14</a:t>
-            </a:fld>
-            <a:endParaRPr lang="de-DE" dirty="0"/>
-          </a:p>
-        </p:txBody>
-      </p:sp>
-      <p:sp>
-        <p:nvSpPr>
-          <p:cNvPr id="9" name="TextBox 8">
-            <a:extLst>
-              <a:ext uri="{FF2B5EF4-FFF2-40B4-BE49-F238E27FC236}">
-                <a16:creationId xmlns:a16="http://schemas.microsoft.com/office/drawing/2014/main" id="{3F2376FE-5249-9664-3A64-1EE8181EA4C2}"/>
-              </a:ext>
-            </a:extLst>
-          </p:cNvPr>
-          <p:cNvSpPr txBox="1"/>
-          <p:nvPr/>
-        </p:nvSpPr>
-        <p:spPr>
-          <a:xfrm>
-            <a:off x="1125140" y="2521744"/>
-            <a:ext cx="6893719" cy="1543436"/>
-          </a:xfrm>
-          <a:prstGeom prst="rect">
-            <a:avLst/>
-          </a:prstGeom>
-          <a:noFill/>
-        </p:spPr>
-        <p:txBody>
-          <a:bodyPr wrap="square" lIns="0" tIns="0" rIns="0" bIns="0" rtlCol="0">
-            <a:spAutoFit/>
-          </a:bodyPr>
-          <a:lstStyle/>
-          <a:p>
-            <a:pPr>
-              <a:lnSpc>
-                <a:spcPct val="114000"/>
-              </a:lnSpc>
-            </a:pPr>
-            <a:r>
-              <a:rPr lang="en-US" sz="9600" b="1" dirty="0">
-                <a:latin typeface="+mj-lt"/>
-                <a:ea typeface="Apple Color Emoji" pitchFamily="2" charset="0"/>
-              </a:rPr>
-              <a:t>Thank You!</a:t>
-            </a:r>
-          </a:p>
-        </p:txBody>
-      </p:sp>
-    </p:spTree>
-    <p:extLst>
-      <p:ext uri="{BB962C8B-B14F-4D97-AF65-F5344CB8AC3E}">
-        <p14:creationId xmlns:p14="http://schemas.microsoft.com/office/powerpoint/2010/main" val="3532066813"/>
-      </p:ext>
-    </p:extLst>
-  </p:cSld>
-  <p:clrMapOvr>
-    <a:masterClrMapping/>
-  </p:clrMapOvr>
-</p:sld>
-</file>
-
-<file path=ppt/slides/slide15.xml><?xml version="1.0" encoding="utf-8"?>
-<p:sld xmlns:a="http://schemas.openxmlformats.org/drawingml/2006/main" xmlns:r="http://schemas.openxmlformats.org/officeDocument/2006/relationships" xmlns:p="http://schemas.openxmlformats.org/presentationml/2006/main">
-  <p:cSld>
-    <p:spTree>
-      <p:nvGrpSpPr>
-        <p:cNvPr id="1" name=""/>
-        <p:cNvGrpSpPr/>
-        <p:nvPr/>
-      </p:nvGrpSpPr>
-      <p:grpSpPr>
-        <a:xfrm>
-          <a:off x="0" y="0"/>
-          <a:ext cx="0" cy="0"/>
-          <a:chOff x="0" y="0"/>
-          <a:chExt cx="0" cy="0"/>
-        </a:xfrm>
-      </p:grpSpPr>
-      <p:sp>
-        <p:nvSpPr>
-          <p:cNvPr id="3" name="Slide Number Placeholder 2">
-            <a:extLst>
-              <a:ext uri="{FF2B5EF4-FFF2-40B4-BE49-F238E27FC236}">
-                <a16:creationId xmlns:a16="http://schemas.microsoft.com/office/drawing/2014/main" id="{A94A60AC-B9B3-AF59-E847-984597B2945A}"/>
-              </a:ext>
-            </a:extLst>
-          </p:cNvPr>
-          <p:cNvSpPr>
-            <a:spLocks noGrp="1"/>
-          </p:cNvSpPr>
-          <p:nvPr>
-            <p:ph type="sldNum" sz="quarter" idx="11"/>
-          </p:nvPr>
-        </p:nvSpPr>
-        <p:spPr/>
-        <p:txBody>
-          <a:bodyPr/>
-          <a:lstStyle/>
-          <a:p>
-            <a:fld id="{CE58CB1E-F828-4F11-99E0-327109AF9DA4}" type="slidenum">
-              <a:rPr lang="de-DE" smtClean="0"/>
-              <a:pPr/>
-              <a:t>15</a:t>
             </a:fld>
             <a:endParaRPr lang="de-DE" dirty="0"/>
           </a:p>
@@ -11915,10 +11703,10 @@
       </p:grpSpPr>
       <p:pic>
         <p:nvPicPr>
-          <p:cNvPr id="6" name="Picture 5">
+          <p:cNvPr id="2" name="Picture 1">
             <a:extLst>
               <a:ext uri="{FF2B5EF4-FFF2-40B4-BE49-F238E27FC236}">
-                <a16:creationId xmlns:a16="http://schemas.microsoft.com/office/drawing/2014/main" id="{663B837A-CDD9-AF04-EEA2-419E65E4B1C8}"/>
+                <a16:creationId xmlns:a16="http://schemas.microsoft.com/office/drawing/2014/main" id="{EB3C9299-72CA-4A85-7CE3-489EACA691FB}"/>
               </a:ext>
             </a:extLst>
           </p:cNvPr>
@@ -11935,106 +11723,14 @@
         </p:blipFill>
         <p:spPr>
           <a:xfrm>
-            <a:off x="2312662" y="3109200"/>
-            <a:ext cx="5282954" cy="2754466"/>
+            <a:off x="1994007" y="3559472"/>
+            <a:ext cx="5702192" cy="2973051"/>
           </a:xfrm>
           <a:prstGeom prst="rect">
             <a:avLst/>
           </a:prstGeom>
         </p:spPr>
       </p:pic>
-      <p:sp>
-        <p:nvSpPr>
-          <p:cNvPr id="2" name="Content Placeholder 1">
-            <a:extLst>
-              <a:ext uri="{FF2B5EF4-FFF2-40B4-BE49-F238E27FC236}">
-                <a16:creationId xmlns:a16="http://schemas.microsoft.com/office/drawing/2014/main" id="{EAF115EA-D762-4B09-6ECA-3111D3934CEC}"/>
-              </a:ext>
-            </a:extLst>
-          </p:cNvPr>
-          <p:cNvSpPr>
-            <a:spLocks noGrp="1"/>
-          </p:cNvSpPr>
-          <p:nvPr>
-            <p:ph idx="1"/>
-          </p:nvPr>
-        </p:nvSpPr>
-        <p:spPr>
-          <a:xfrm>
-            <a:off x="317500" y="1335468"/>
-            <a:ext cx="8508999" cy="4699572"/>
-          </a:xfrm>
-        </p:spPr>
-        <p:txBody>
-          <a:bodyPr/>
-          <a:lstStyle/>
-          <a:p>
-            <a:pPr marL="285750" indent="-285750">
-              <a:buFont typeface="Arial" panose="020B0604020202020204" pitchFamily="34" charset="0"/>
-              <a:buChar char="•"/>
-            </a:pPr>
-            <a:endParaRPr lang="en-GB" dirty="0"/>
-          </a:p>
-          <a:p>
-            <a:pPr marL="285750" indent="-285750">
-              <a:buFont typeface="Arial" panose="020B0604020202020204" pitchFamily="34" charset="0"/>
-              <a:buChar char="•"/>
-            </a:pPr>
-            <a:r>
-              <a:rPr lang="en-US" dirty="0"/>
-              <a:t>This approach is to represent a 2D image as a sequence of patches</a:t>
-            </a:r>
-          </a:p>
-          <a:p>
-            <a:pPr marL="285750" indent="-285750">
-              <a:buFont typeface="Arial" panose="020B0604020202020204" pitchFamily="34" charset="0"/>
-              <a:buChar char="•"/>
-            </a:pPr>
-            <a:endParaRPr lang="en-US" dirty="0"/>
-          </a:p>
-          <a:p>
-            <a:pPr marL="285750" indent="-285750">
-              <a:buFont typeface="Arial" panose="020B0604020202020204" pitchFamily="34" charset="0"/>
-              <a:buChar char="•"/>
-            </a:pPr>
-            <a:r>
-              <a:rPr lang="en-US" dirty="0"/>
-              <a:t>Each patch is transformed into a higher-dimensional vector, which is subsequently fed into a transformer model</a:t>
-            </a:r>
-          </a:p>
-          <a:p>
-            <a:pPr marL="285750" indent="-285750">
-              <a:buFont typeface="Arial" panose="020B0604020202020204" pitchFamily="34" charset="0"/>
-              <a:buChar char="•"/>
-            </a:pPr>
-            <a:endParaRPr lang="en-US" dirty="0"/>
-          </a:p>
-          <a:p>
-            <a:pPr marL="285750" indent="-285750">
-              <a:buFont typeface="Arial" panose="020B0604020202020204" pitchFamily="34" charset="0"/>
-              <a:buChar char="•"/>
-            </a:pPr>
-            <a:r>
-              <a:rPr lang="en-US" dirty="0"/>
-              <a:t>In multi-view image fusion, the conventional approach involves averaging the features from all image views</a:t>
-            </a:r>
-          </a:p>
-          <a:p>
-            <a:pPr marL="285750" indent="-285750">
-              <a:buFont typeface="Arial" panose="020B0604020202020204" pitchFamily="34" charset="0"/>
-              <a:buChar char="•"/>
-            </a:pPr>
-            <a:endParaRPr lang="en-US" dirty="0"/>
-          </a:p>
-          <a:p>
-            <a:pPr marL="461963" lvl="1" indent="-285750">
-              <a:buFont typeface="Courier New" panose="02070309020205020404" pitchFamily="49" charset="0"/>
-              <a:buChar char="o"/>
-            </a:pPr>
-            <a:endParaRPr lang="en-US" dirty="0"/>
-          </a:p>
-        </p:txBody>
-      </p:sp>
       <p:sp>
         <p:nvSpPr>
           <p:cNvPr id="3" name="Slide Number Placeholder 2">
@@ -12088,15 +11784,111 @@
           <a:p>
             <a:r>
               <a:rPr lang="en-US" dirty="0"/>
-              <a:t>Vision Transformer</a:t>
-            </a:r>
+              <a:t>3D-RETR-Deep-Fusion</a:t>
+            </a:r>
+          </a:p>
+        </p:txBody>
+      </p:sp>
+      <p:pic>
+        <p:nvPicPr>
+          <p:cNvPr id="10" name="Content Placeholder 9">
+            <a:extLst>
+              <a:ext uri="{FF2B5EF4-FFF2-40B4-BE49-F238E27FC236}">
+                <a16:creationId xmlns:a16="http://schemas.microsoft.com/office/drawing/2014/main" id="{12BDDE54-3918-E7B8-A579-49E6554439C0}"/>
+              </a:ext>
+            </a:extLst>
+          </p:cNvPr>
+          <p:cNvPicPr>
+            <a:picLocks noGrp="1" noChangeAspect="1"/>
+          </p:cNvPicPr>
+          <p:nvPr>
+            <p:ph idx="1"/>
+          </p:nvPr>
+        </p:nvPicPr>
+        <p:blipFill>
+          <a:blip r:embed="rId4"/>
+          <a:stretch>
+            <a:fillRect/>
+          </a:stretch>
+        </p:blipFill>
+        <p:spPr>
+          <a:xfrm>
+            <a:off x="319090" y="1466512"/>
+            <a:ext cx="8405811" cy="2238901"/>
+          </a:xfrm>
+          <a:prstGeom prst="rect">
+            <a:avLst/>
+          </a:prstGeom>
+        </p:spPr>
+      </p:pic>
+      <p:sp>
+        <p:nvSpPr>
+          <p:cNvPr id="11" name="Rounded Rectangle 10">
+            <a:extLst>
+              <a:ext uri="{FF2B5EF4-FFF2-40B4-BE49-F238E27FC236}">
+                <a16:creationId xmlns:a16="http://schemas.microsoft.com/office/drawing/2014/main" id="{4B674127-846B-3AC4-3D57-EA73EA3A450F}"/>
+              </a:ext>
+            </a:extLst>
+          </p:cNvPr>
+          <p:cNvSpPr/>
+          <p:nvPr/>
+        </p:nvSpPr>
+        <p:spPr>
+          <a:xfrm>
+            <a:off x="3889249" y="1510146"/>
+            <a:ext cx="1530096" cy="2322576"/>
+          </a:xfrm>
+          <a:prstGeom prst="roundRect">
+            <a:avLst/>
+          </a:prstGeom>
+          <a:solidFill>
+            <a:schemeClr val="accent2">
+              <a:alpha val="30752"/>
+            </a:schemeClr>
+          </a:solidFill>
+          <a:ln>
+            <a:noFill/>
+          </a:ln>
+          <a:effectLst>
+            <a:softEdge rad="0"/>
+          </a:effectLst>
+        </p:spPr>
+        <p:style>
+          <a:lnRef idx="0">
+            <a:scrgbClr r="0" g="0" b="0"/>
+          </a:lnRef>
+          <a:fillRef idx="0">
+            <a:scrgbClr r="0" g="0" b="0"/>
+          </a:fillRef>
+          <a:effectRef idx="0">
+            <a:scrgbClr r="0" g="0" b="0"/>
+          </a:effectRef>
+          <a:fontRef idx="minor">
+            <a:schemeClr val="lt1"/>
+          </a:fontRef>
+        </p:style>
+        <p:txBody>
+          <a:bodyPr rot="0" spcFirstLastPara="0" vertOverflow="overflow" horzOverflow="overflow" vert="horz" wrap="square" lIns="91440" tIns="45720" rIns="91440" bIns="45720" numCol="1" spcCol="0" rtlCol="0" fromWordArt="0" anchor="t" anchorCtr="0" forceAA="0" compatLnSpc="1">
+            <a:prstTxWarp prst="textNoShape">
+              <a:avLst/>
+            </a:prstTxWarp>
+            <a:noAutofit/>
+          </a:bodyPr>
+          <a:lstStyle/>
+          <a:p>
+            <a:pPr algn="ctr">
+              <a:lnSpc>
+                <a:spcPct val="114000"/>
+              </a:lnSpc>
+            </a:pPr>
+            <a:endParaRPr lang="en-US" dirty="0"/>
           </a:p>
         </p:txBody>
       </p:sp>
     </p:spTree>
     <p:extLst>
       <p:ext uri="{BB962C8B-B14F-4D97-AF65-F5344CB8AC3E}">
-        <p14:creationId xmlns:p14="http://schemas.microsoft.com/office/powerpoint/2010/main" val="3153406992"/>
+        <p14:creationId xmlns:p14="http://schemas.microsoft.com/office/powerpoint/2010/main" val="2048347470"/>
       </p:ext>
     </p:extLst>
   </p:cSld>
@@ -12176,103 +11968,170 @@
           <a:p>
             <a:r>
               <a:rPr lang="en-US" dirty="0"/>
-              <a:t>3D-RETR-Deep-Fusion</a:t>
-            </a:r>
-          </a:p>
-        </p:txBody>
-      </p:sp>
-      <p:pic>
-        <p:nvPicPr>
-          <p:cNvPr id="10" name="Content Placeholder 9">
+              <a:t>Training</a:t>
+            </a:r>
+          </a:p>
+        </p:txBody>
+      </p:sp>
+      <p:sp>
+        <p:nvSpPr>
+          <p:cNvPr id="4" name="Content Placeholder 3">
             <a:extLst>
               <a:ext uri="{FF2B5EF4-FFF2-40B4-BE49-F238E27FC236}">
-                <a16:creationId xmlns:a16="http://schemas.microsoft.com/office/drawing/2014/main" id="{12BDDE54-3918-E7B8-A579-49E6554439C0}"/>
+                <a16:creationId xmlns:a16="http://schemas.microsoft.com/office/drawing/2014/main" id="{48405292-3E50-4195-8E6A-AAD213C54DC2}"/>
               </a:ext>
             </a:extLst>
           </p:cNvPr>
-          <p:cNvPicPr>
-            <a:picLocks noGrp="1" noChangeAspect="1"/>
-          </p:cNvPicPr>
+          <p:cNvSpPr>
+            <a:spLocks noGrp="1"/>
+          </p:cNvSpPr>
           <p:nvPr>
             <p:ph idx="1"/>
           </p:nvPr>
-        </p:nvPicPr>
-        <p:blipFill>
-          <a:blip r:embed="rId2"/>
-          <a:stretch>
-            <a:fillRect/>
-          </a:stretch>
-        </p:blipFill>
-        <p:spPr>
-          <a:xfrm>
-            <a:off x="319089" y="2089966"/>
-            <a:ext cx="8405811" cy="2238901"/>
-          </a:xfrm>
-          <a:prstGeom prst="rect">
-            <a:avLst/>
-          </a:prstGeom>
-        </p:spPr>
-      </p:pic>
-      <p:sp>
-        <p:nvSpPr>
-          <p:cNvPr id="11" name="Rounded Rectangle 10">
-            <a:extLst>
-              <a:ext uri="{FF2B5EF4-FFF2-40B4-BE49-F238E27FC236}">
-                <a16:creationId xmlns:a16="http://schemas.microsoft.com/office/drawing/2014/main" id="{4B674127-846B-3AC4-3D57-EA73EA3A450F}"/>
-              </a:ext>
-            </a:extLst>
-          </p:cNvPr>
-          <p:cNvSpPr/>
-          <p:nvPr/>
-        </p:nvSpPr>
-        <p:spPr>
-          <a:xfrm>
-            <a:off x="3889248" y="2133600"/>
-            <a:ext cx="1530096" cy="2322576"/>
-          </a:xfrm>
-          <a:prstGeom prst="roundRect">
-            <a:avLst/>
-          </a:prstGeom>
-          <a:solidFill>
-            <a:schemeClr val="accent2">
-              <a:alpha val="30752"/>
-            </a:schemeClr>
-          </a:solidFill>
-          <a:ln>
-            <a:noFill/>
-          </a:ln>
-          <a:effectLst>
-            <a:softEdge rad="0"/>
-          </a:effectLst>
-        </p:spPr>
-        <p:style>
-          <a:lnRef idx="0">
-            <a:scrgbClr r="0" g="0" b="0"/>
-          </a:lnRef>
-          <a:fillRef idx="0">
-            <a:scrgbClr r="0" g="0" b="0"/>
-          </a:fillRef>
-          <a:effectRef idx="0">
-            <a:scrgbClr r="0" g="0" b="0"/>
-          </a:effectRef>
-          <a:fontRef idx="minor">
-            <a:schemeClr val="lt1"/>
-          </a:fontRef>
-        </p:style>
-        <p:txBody>
-          <a:bodyPr rot="0" spcFirstLastPara="0" vertOverflow="overflow" horzOverflow="overflow" vert="horz" wrap="square" lIns="91440" tIns="45720" rIns="91440" bIns="45720" numCol="1" spcCol="0" rtlCol="0" fromWordArt="0" anchor="t" anchorCtr="0" forceAA="0" compatLnSpc="1">
-            <a:prstTxWarp prst="textNoShape">
-              <a:avLst/>
-            </a:prstTxWarp>
-            <a:noAutofit/>
-          </a:bodyPr>
+        </p:nvSpPr>
+        <p:spPr/>
+        <p:txBody>
+          <a:bodyPr/>
           <a:lstStyle/>
           <a:p>
-            <a:pPr algn="ctr">
-              <a:lnSpc>
-                <a:spcPct val="114000"/>
-              </a:lnSpc>
+            <a:pPr marL="285750" indent="-285750">
+              <a:buFont typeface="Arial" panose="020B0604020202020204" pitchFamily="34" charset="0"/>
+              <a:buChar char="•"/>
             </a:pPr>
+            <a:r>
+              <a:rPr lang="en-GB" sz="1800" dirty="0" err="1">
+                <a:effectLst/>
+                <a:latin typeface="NimbusRomNo9L"/>
+              </a:rPr>
+              <a:t>ShapeNet</a:t>
+            </a:r>
+            <a:r>
+              <a:rPr lang="en-GB" sz="1800" dirty="0">
+                <a:effectLst/>
+                <a:latin typeface="NimbusRomNo9L"/>
+              </a:rPr>
+              <a:t> dataset (80% training, 10% validation and 10% testing)</a:t>
+            </a:r>
+          </a:p>
+          <a:p>
+            <a:pPr marL="285750" indent="-285750">
+              <a:buFont typeface="Arial" panose="020B0604020202020204" pitchFamily="34" charset="0"/>
+              <a:buChar char="•"/>
+            </a:pPr>
+            <a:endParaRPr lang="en-GB" sz="1800" dirty="0">
+              <a:latin typeface="NimbusRomNo9L"/>
+            </a:endParaRPr>
+          </a:p>
+          <a:p>
+            <a:pPr marL="285750" indent="-285750">
+              <a:buFont typeface="Arial" panose="020B0604020202020204" pitchFamily="34" charset="0"/>
+              <a:buChar char="•"/>
+            </a:pPr>
+            <a:r>
+              <a:rPr lang="en-GB" sz="1800" dirty="0">
+                <a:effectLst/>
+                <a:latin typeface="NimbusRomNo9L"/>
+              </a:rPr>
+              <a:t>3 models trained:</a:t>
+            </a:r>
+          </a:p>
+          <a:p>
+            <a:pPr marL="461963" lvl="1" indent="-285750">
+              <a:buFont typeface="Arial" panose="020B0604020202020204" pitchFamily="34" charset="0"/>
+              <a:buChar char="•"/>
+            </a:pPr>
+            <a:endParaRPr lang="en-GB" sz="1800" dirty="0">
+              <a:latin typeface="NimbusRomNo9L"/>
+            </a:endParaRPr>
+          </a:p>
+          <a:p>
+            <a:pPr marL="461963" lvl="1" indent="-285750">
+              <a:buFont typeface="Wingdings" pitchFamily="2" charset="2"/>
+              <a:buChar char="§"/>
+            </a:pPr>
+            <a:r>
+              <a:rPr lang="en-GB" sz="1800" b="0" dirty="0">
+                <a:effectLst/>
+                <a:latin typeface="NimbusRomNo9L"/>
+              </a:rPr>
+              <a:t>3D-RETR-Avg-Fusion </a:t>
+            </a:r>
+            <a:endParaRPr lang="en-GB" sz="2000" dirty="0"/>
+          </a:p>
+          <a:p>
+            <a:pPr marL="461963" lvl="1" indent="-285750">
+              <a:buFont typeface="Wingdings" pitchFamily="2" charset="2"/>
+              <a:buChar char="§"/>
+            </a:pPr>
+            <a:endParaRPr lang="en-GB" sz="1800" dirty="0">
+              <a:effectLst/>
+              <a:latin typeface="NimbusRomNo9L"/>
+            </a:endParaRPr>
+          </a:p>
+          <a:p>
+            <a:pPr marL="461963" lvl="1" indent="-285750">
+              <a:buFont typeface="Wingdings" pitchFamily="2" charset="2"/>
+              <a:buChar char="§"/>
+            </a:pPr>
+            <a:r>
+              <a:rPr lang="en-GB" sz="1800" b="0" dirty="0">
+                <a:effectLst/>
+                <a:latin typeface="NimbusRomNo9L"/>
+              </a:rPr>
+              <a:t>3D-RETR-Deep-Fusion </a:t>
+            </a:r>
+            <a:endParaRPr lang="en-GB" sz="2000" dirty="0"/>
+          </a:p>
+          <a:p>
+            <a:pPr marL="461963" lvl="1" indent="-285750">
+              <a:buFont typeface="Wingdings" pitchFamily="2" charset="2"/>
+              <a:buChar char="§"/>
+            </a:pPr>
+            <a:endParaRPr lang="en-GB" sz="1800" dirty="0">
+              <a:latin typeface="NimbusRomNo9L"/>
+            </a:endParaRPr>
+          </a:p>
+          <a:p>
+            <a:pPr marL="461963" lvl="1" indent="-285750">
+              <a:buFont typeface="Wingdings" pitchFamily="2" charset="2"/>
+              <a:buChar char="§"/>
+            </a:pPr>
+            <a:r>
+              <a:rPr lang="en-GB" sz="1800" b="0" dirty="0">
+                <a:effectLst/>
+                <a:latin typeface="NimbusRomNo9L"/>
+              </a:rPr>
+              <a:t>3D-RETR-Avg-Fusion-E </a:t>
+            </a:r>
+            <a:endParaRPr lang="en-GB" sz="2000" dirty="0"/>
+          </a:p>
+          <a:p>
+            <a:pPr marL="461963" lvl="1" indent="-285750">
+              <a:buFont typeface="Arial" panose="020B0604020202020204" pitchFamily="34" charset="0"/>
+              <a:buChar char="•"/>
+            </a:pPr>
+            <a:endParaRPr lang="en-GB" sz="1800" dirty="0">
+              <a:effectLst/>
+              <a:latin typeface="NimbusRomNo9L"/>
+            </a:endParaRPr>
+          </a:p>
+          <a:p>
+            <a:pPr marL="285750" indent="-285750">
+              <a:buFont typeface="Arial" panose="020B0604020202020204" pitchFamily="34" charset="0"/>
+              <a:buChar char="•"/>
+            </a:pPr>
+            <a:endParaRPr lang="en-GB" sz="1800" dirty="0">
+              <a:latin typeface="NimbusRomNo9L"/>
+            </a:endParaRPr>
+          </a:p>
+          <a:p>
+            <a:pPr marL="285750" indent="-285750">
+              <a:buFont typeface="Arial" panose="020B0604020202020204" pitchFamily="34" charset="0"/>
+              <a:buChar char="•"/>
+            </a:pPr>
+            <a:endParaRPr lang="en-GB" dirty="0"/>
+          </a:p>
+          <a:p>
             <a:endParaRPr lang="en-US" dirty="0"/>
           </a:p>
         </p:txBody>
@@ -12280,7 +12139,7 @@
     </p:spTree>
     <p:extLst>
       <p:ext uri="{BB962C8B-B14F-4D97-AF65-F5344CB8AC3E}">
-        <p14:creationId xmlns:p14="http://schemas.microsoft.com/office/powerpoint/2010/main" val="2048347470"/>
+        <p14:creationId xmlns:p14="http://schemas.microsoft.com/office/powerpoint/2010/main" val="2947865573"/>
       </p:ext>
     </p:extLst>
   </p:cSld>
@@ -12332,257 +12191,6 @@
               <a:rPr lang="de-DE" smtClean="0"/>
               <a:pPr/>
               <a:t>6</a:t>
-            </a:fld>
-            <a:endParaRPr lang="de-DE" dirty="0"/>
-          </a:p>
-        </p:txBody>
-      </p:sp>
-      <p:sp>
-        <p:nvSpPr>
-          <p:cNvPr id="5" name="Title 4">
-            <a:extLst>
-              <a:ext uri="{FF2B5EF4-FFF2-40B4-BE49-F238E27FC236}">
-                <a16:creationId xmlns:a16="http://schemas.microsoft.com/office/drawing/2014/main" id="{390DBEAC-D603-E343-552D-9EB20251DA02}"/>
-              </a:ext>
-            </a:extLst>
-          </p:cNvPr>
-          <p:cNvSpPr>
-            <a:spLocks noGrp="1"/>
-          </p:cNvSpPr>
-          <p:nvPr>
-            <p:ph type="title"/>
-          </p:nvPr>
-        </p:nvSpPr>
-        <p:spPr/>
-        <p:txBody>
-          <a:bodyPr/>
-          <a:lstStyle/>
-          <a:p>
-            <a:r>
-              <a:rPr lang="en-US" dirty="0"/>
-              <a:t>Training</a:t>
-            </a:r>
-          </a:p>
-        </p:txBody>
-      </p:sp>
-      <p:sp>
-        <p:nvSpPr>
-          <p:cNvPr id="4" name="Content Placeholder 3">
-            <a:extLst>
-              <a:ext uri="{FF2B5EF4-FFF2-40B4-BE49-F238E27FC236}">
-                <a16:creationId xmlns:a16="http://schemas.microsoft.com/office/drawing/2014/main" id="{48405292-3E50-4195-8E6A-AAD213C54DC2}"/>
-              </a:ext>
-            </a:extLst>
-          </p:cNvPr>
-          <p:cNvSpPr>
-            <a:spLocks noGrp="1"/>
-          </p:cNvSpPr>
-          <p:nvPr>
-            <p:ph idx="1"/>
-          </p:nvPr>
-        </p:nvSpPr>
-        <p:spPr/>
-        <p:txBody>
-          <a:bodyPr/>
-          <a:lstStyle/>
-          <a:p>
-            <a:pPr marL="285750" indent="-285750">
-              <a:buFont typeface="Arial" panose="020B0604020202020204" pitchFamily="34" charset="0"/>
-              <a:buChar char="•"/>
-            </a:pPr>
-            <a:r>
-              <a:rPr lang="en-GB" sz="1800" dirty="0" err="1">
-                <a:effectLst/>
-                <a:latin typeface="NimbusRomNo9L"/>
-              </a:rPr>
-              <a:t>ShapeNet</a:t>
-            </a:r>
-            <a:r>
-              <a:rPr lang="en-GB" sz="1800" dirty="0">
-                <a:effectLst/>
-                <a:latin typeface="NimbusRomNo9L"/>
-              </a:rPr>
-              <a:t> dataset (80% training, 10% validation and 10% testing)</a:t>
-            </a:r>
-          </a:p>
-          <a:p>
-            <a:pPr marL="285750" indent="-285750">
-              <a:buFont typeface="Arial" panose="020B0604020202020204" pitchFamily="34" charset="0"/>
-              <a:buChar char="•"/>
-            </a:pPr>
-            <a:endParaRPr lang="en-GB" sz="1800" dirty="0">
-              <a:latin typeface="NimbusRomNo9L"/>
-            </a:endParaRPr>
-          </a:p>
-          <a:p>
-            <a:pPr marL="285750" indent="-285750">
-              <a:buFont typeface="Arial" panose="020B0604020202020204" pitchFamily="34" charset="0"/>
-              <a:buChar char="•"/>
-            </a:pPr>
-            <a:r>
-              <a:rPr lang="en-GB" sz="1800" dirty="0">
-                <a:effectLst/>
-                <a:latin typeface="NimbusRomNo9L"/>
-              </a:rPr>
-              <a:t>3 models trained:</a:t>
-            </a:r>
-          </a:p>
-          <a:p>
-            <a:pPr marL="461963" lvl="1" indent="-285750">
-              <a:buFont typeface="Arial" panose="020B0604020202020204" pitchFamily="34" charset="0"/>
-              <a:buChar char="•"/>
-            </a:pPr>
-            <a:endParaRPr lang="en-GB" sz="1800" dirty="0">
-              <a:latin typeface="NimbusRomNo9L"/>
-            </a:endParaRPr>
-          </a:p>
-          <a:p>
-            <a:pPr marL="461963" lvl="1" indent="-285750">
-              <a:buFont typeface="Wingdings" pitchFamily="2" charset="2"/>
-              <a:buChar char="§"/>
-            </a:pPr>
-            <a:r>
-              <a:rPr lang="en-GB" sz="1800" b="0" dirty="0">
-                <a:effectLst/>
-                <a:latin typeface="NimbusRomNo9L"/>
-              </a:rPr>
-              <a:t>3D-RETR-Avg-Fusion </a:t>
-            </a:r>
-            <a:endParaRPr lang="en-GB" sz="2000" dirty="0"/>
-          </a:p>
-          <a:p>
-            <a:pPr marL="461963" lvl="1" indent="-285750">
-              <a:buFont typeface="Wingdings" pitchFamily="2" charset="2"/>
-              <a:buChar char="§"/>
-            </a:pPr>
-            <a:endParaRPr lang="en-GB" sz="1800" dirty="0">
-              <a:effectLst/>
-              <a:latin typeface="NimbusRomNo9L"/>
-            </a:endParaRPr>
-          </a:p>
-          <a:p>
-            <a:pPr marL="461963" lvl="1" indent="-285750">
-              <a:buFont typeface="Wingdings" pitchFamily="2" charset="2"/>
-              <a:buChar char="§"/>
-            </a:pPr>
-            <a:r>
-              <a:rPr lang="en-GB" sz="1800" b="0" dirty="0">
-                <a:effectLst/>
-                <a:latin typeface="NimbusRomNo9L"/>
-              </a:rPr>
-              <a:t>3D-RETR-Deep-Fusion </a:t>
-            </a:r>
-            <a:endParaRPr lang="en-GB" sz="2000" dirty="0"/>
-          </a:p>
-          <a:p>
-            <a:pPr marL="461963" lvl="1" indent="-285750">
-              <a:buFont typeface="Wingdings" pitchFamily="2" charset="2"/>
-              <a:buChar char="§"/>
-            </a:pPr>
-            <a:endParaRPr lang="en-GB" sz="1800" dirty="0">
-              <a:latin typeface="NimbusRomNo9L"/>
-            </a:endParaRPr>
-          </a:p>
-          <a:p>
-            <a:pPr marL="461963" lvl="1" indent="-285750">
-              <a:buFont typeface="Wingdings" pitchFamily="2" charset="2"/>
-              <a:buChar char="§"/>
-            </a:pPr>
-            <a:r>
-              <a:rPr lang="en-GB" sz="1800" b="0" dirty="0">
-                <a:effectLst/>
-                <a:latin typeface="NimbusRomNo9L"/>
-              </a:rPr>
-              <a:t>3D-RETR-Avg-Fusion-E </a:t>
-            </a:r>
-            <a:endParaRPr lang="en-GB" sz="2000" dirty="0"/>
-          </a:p>
-          <a:p>
-            <a:pPr marL="461963" lvl="1" indent="-285750">
-              <a:buFont typeface="Arial" panose="020B0604020202020204" pitchFamily="34" charset="0"/>
-              <a:buChar char="•"/>
-            </a:pPr>
-            <a:endParaRPr lang="en-GB" sz="1800" dirty="0">
-              <a:effectLst/>
-              <a:latin typeface="NimbusRomNo9L"/>
-            </a:endParaRPr>
-          </a:p>
-          <a:p>
-            <a:pPr marL="285750" indent="-285750">
-              <a:buFont typeface="Arial" panose="020B0604020202020204" pitchFamily="34" charset="0"/>
-              <a:buChar char="•"/>
-            </a:pPr>
-            <a:endParaRPr lang="en-GB" sz="1800" dirty="0">
-              <a:latin typeface="NimbusRomNo9L"/>
-            </a:endParaRPr>
-          </a:p>
-          <a:p>
-            <a:pPr marL="285750" indent="-285750">
-              <a:buFont typeface="Arial" panose="020B0604020202020204" pitchFamily="34" charset="0"/>
-              <a:buChar char="•"/>
-            </a:pPr>
-            <a:endParaRPr lang="en-GB" dirty="0"/>
-          </a:p>
-          <a:p>
-            <a:endParaRPr lang="en-US" dirty="0"/>
-          </a:p>
-        </p:txBody>
-      </p:sp>
-    </p:spTree>
-    <p:extLst>
-      <p:ext uri="{BB962C8B-B14F-4D97-AF65-F5344CB8AC3E}">
-        <p14:creationId xmlns:p14="http://schemas.microsoft.com/office/powerpoint/2010/main" val="2947865573"/>
-      </p:ext>
-    </p:extLst>
-  </p:cSld>
-  <p:clrMapOvr>
-    <a:masterClrMapping/>
-  </p:clrMapOvr>
-</p:sld>
-</file>
-
-<file path=ppt/slides/slide7.xml><?xml version="1.0" encoding="utf-8"?>
-<p:sld xmlns:a="http://schemas.openxmlformats.org/drawingml/2006/main" xmlns:r="http://schemas.openxmlformats.org/officeDocument/2006/relationships" xmlns:p="http://schemas.openxmlformats.org/presentationml/2006/main">
-  <p:cSld>
-    <p:spTree>
-      <p:nvGrpSpPr>
-        <p:cNvPr id="1" name=""/>
-        <p:cNvGrpSpPr/>
-        <p:nvPr/>
-      </p:nvGrpSpPr>
-      <p:grpSpPr>
-        <a:xfrm>
-          <a:off x="0" y="0"/>
-          <a:ext cx="0" cy="0"/>
-          <a:chOff x="0" y="0"/>
-          <a:chExt cx="0" cy="0"/>
-        </a:xfrm>
-      </p:grpSpPr>
-      <p:sp>
-        <p:nvSpPr>
-          <p:cNvPr id="3" name="Slide Number Placeholder 2">
-            <a:extLst>
-              <a:ext uri="{FF2B5EF4-FFF2-40B4-BE49-F238E27FC236}">
-                <a16:creationId xmlns:a16="http://schemas.microsoft.com/office/drawing/2014/main" id="{A94A60AC-B9B3-AF59-E847-984597B2945A}"/>
-              </a:ext>
-            </a:extLst>
-          </p:cNvPr>
-          <p:cNvSpPr>
-            <a:spLocks noGrp="1"/>
-          </p:cNvSpPr>
-          <p:nvPr>
-            <p:ph type="sldNum" sz="quarter" idx="11"/>
-          </p:nvPr>
-        </p:nvSpPr>
-        <p:spPr/>
-        <p:txBody>
-          <a:bodyPr/>
-          <a:lstStyle/>
-          <a:p>
-            <a:fld id="{CE58CB1E-F828-4F11-99E0-327109AF9DA4}" type="slidenum">
-              <a:rPr lang="de-DE" smtClean="0"/>
-              <a:pPr/>
-              <a:t>7</a:t>
             </a:fld>
             <a:endParaRPr lang="de-DE" dirty="0"/>
           </a:p>
@@ -12933,7 +12541,7 @@
 </p:sld>
 </file>
 
-<file path=ppt/slides/slide8.xml><?xml version="1.0" encoding="utf-8"?>
+<file path=ppt/slides/slide7.xml><?xml version="1.0" encoding="utf-8"?>
 <p:sld xmlns:a="http://schemas.openxmlformats.org/drawingml/2006/main" xmlns:r="http://schemas.openxmlformats.org/officeDocument/2006/relationships" xmlns:p="http://schemas.openxmlformats.org/presentationml/2006/main">
   <p:cSld>
     <p:spTree>
@@ -12974,38 +12582,9 @@
             <a:fld id="{CE58CB1E-F828-4F11-99E0-327109AF9DA4}" type="slidenum">
               <a:rPr lang="de-DE" smtClean="0"/>
               <a:pPr/>
-              <a:t>8</a:t>
+              <a:t>7</a:t>
             </a:fld>
             <a:endParaRPr lang="de-DE" dirty="0"/>
-          </a:p>
-        </p:txBody>
-      </p:sp>
-      <p:sp>
-        <p:nvSpPr>
-          <p:cNvPr id="4" name="Footer Placeholder 3">
-            <a:extLst>
-              <a:ext uri="{FF2B5EF4-FFF2-40B4-BE49-F238E27FC236}">
-                <a16:creationId xmlns:a16="http://schemas.microsoft.com/office/drawing/2014/main" id="{04930753-D807-45EC-853D-CD5875902143}"/>
-              </a:ext>
-            </a:extLst>
-          </p:cNvPr>
-          <p:cNvSpPr>
-            <a:spLocks noGrp="1"/>
-          </p:cNvSpPr>
-          <p:nvPr>
-            <p:ph type="ftr" sz="quarter" idx="12"/>
-          </p:nvPr>
-        </p:nvSpPr>
-        <p:spPr/>
-        <p:txBody>
-          <a:bodyPr/>
-          <a:lstStyle/>
-          <a:p>
-            <a:r>
-              <a:rPr lang="de-DE"/>
-              <a:t>Dr. rer. nat. Erika Mustermann (TUM) | kann beliebig erweitert werden | Infos mit Strich trennen</a:t>
-            </a:r>
-            <a:endParaRPr lang="en-US" dirty="0"/>
           </a:p>
         </p:txBody>
       </p:sp>
@@ -13191,7 +12770,7 @@
             <a:fld id="{CE58CB1E-F828-4F11-99E0-327109AF9DA4}" type="slidenum">
               <a:rPr lang="de-DE" smtClean="0"/>
               <a:pPr/>
-              <a:t>8</a:t>
+              <a:t>7</a:t>
             </a:fld>
             <a:endParaRPr lang="de-DE" dirty="0"/>
           </a:p>
@@ -13737,7 +13316,7 @@
 </p:sld>
 </file>
 
-<file path=ppt/slides/slide9.xml><?xml version="1.0" encoding="utf-8"?>
+<file path=ppt/slides/slide8.xml><?xml version="1.0" encoding="utf-8"?>
 <p:sld xmlns:a="http://schemas.openxmlformats.org/drawingml/2006/main" xmlns:r="http://schemas.openxmlformats.org/officeDocument/2006/relationships" xmlns:p="http://schemas.openxmlformats.org/presentationml/2006/main">
   <p:cSld>
     <p:spTree>
@@ -13778,7 +13357,7 @@
             <a:fld id="{CE58CB1E-F828-4F11-99E0-327109AF9DA4}" type="slidenum">
               <a:rPr lang="de-DE" smtClean="0"/>
               <a:pPr/>
-              <a:t>9</a:t>
+              <a:t>8</a:t>
             </a:fld>
             <a:endParaRPr lang="de-DE" dirty="0"/>
           </a:p>
@@ -13973,6 +13552,234 @@
     <p:extLst>
       <p:ext uri="{BB962C8B-B14F-4D97-AF65-F5344CB8AC3E}">
         <p14:creationId xmlns:p14="http://schemas.microsoft.com/office/powerpoint/2010/main" val="2530954983"/>
+      </p:ext>
+    </p:extLst>
+  </p:cSld>
+  <p:clrMapOvr>
+    <a:masterClrMapping/>
+  </p:clrMapOvr>
+</p:sld>
+</file>
+
+<file path=ppt/slides/slide9.xml><?xml version="1.0" encoding="utf-8"?>
+<p:sld xmlns:a="http://schemas.openxmlformats.org/drawingml/2006/main" xmlns:r="http://schemas.openxmlformats.org/officeDocument/2006/relationships" xmlns:p="http://schemas.openxmlformats.org/presentationml/2006/main">
+  <p:cSld>
+    <p:spTree>
+      <p:nvGrpSpPr>
+        <p:cNvPr id="1" name=""/>
+        <p:cNvGrpSpPr/>
+        <p:nvPr/>
+      </p:nvGrpSpPr>
+      <p:grpSpPr>
+        <a:xfrm>
+          <a:off x="0" y="0"/>
+          <a:ext cx="0" cy="0"/>
+          <a:chOff x="0" y="0"/>
+          <a:chExt cx="0" cy="0"/>
+        </a:xfrm>
+      </p:grpSpPr>
+      <p:sp>
+        <p:nvSpPr>
+          <p:cNvPr id="3" name="Slide Number Placeholder 2">
+            <a:extLst>
+              <a:ext uri="{FF2B5EF4-FFF2-40B4-BE49-F238E27FC236}">
+                <a16:creationId xmlns:a16="http://schemas.microsoft.com/office/drawing/2014/main" id="{A94A60AC-B9B3-AF59-E847-984597B2945A}"/>
+              </a:ext>
+            </a:extLst>
+          </p:cNvPr>
+          <p:cNvSpPr>
+            <a:spLocks noGrp="1"/>
+          </p:cNvSpPr>
+          <p:nvPr>
+            <p:ph type="sldNum" sz="quarter" idx="11"/>
+          </p:nvPr>
+        </p:nvSpPr>
+        <p:spPr/>
+        <p:txBody>
+          <a:bodyPr/>
+          <a:lstStyle/>
+          <a:p>
+            <a:fld id="{CE58CB1E-F828-4F11-99E0-327109AF9DA4}" type="slidenum">
+              <a:rPr lang="de-DE" smtClean="0"/>
+              <a:pPr/>
+              <a:t>9</a:t>
+            </a:fld>
+            <a:endParaRPr lang="de-DE" dirty="0"/>
+          </a:p>
+        </p:txBody>
+      </p:sp>
+      <p:sp>
+        <p:nvSpPr>
+          <p:cNvPr id="5" name="Title 4">
+            <a:extLst>
+              <a:ext uri="{FF2B5EF4-FFF2-40B4-BE49-F238E27FC236}">
+                <a16:creationId xmlns:a16="http://schemas.microsoft.com/office/drawing/2014/main" id="{390DBEAC-D603-E343-552D-9EB20251DA02}"/>
+              </a:ext>
+            </a:extLst>
+          </p:cNvPr>
+          <p:cNvSpPr>
+            <a:spLocks noGrp="1"/>
+          </p:cNvSpPr>
+          <p:nvPr>
+            <p:ph type="title"/>
+          </p:nvPr>
+        </p:nvSpPr>
+        <p:spPr/>
+        <p:txBody>
+          <a:bodyPr/>
+          <a:lstStyle/>
+          <a:p>
+            <a:r>
+              <a:rPr lang="en-US" dirty="0"/>
+              <a:t>Results</a:t>
+            </a:r>
+          </a:p>
+        </p:txBody>
+      </p:sp>
+      <p:sp>
+        <p:nvSpPr>
+          <p:cNvPr id="4" name="Content Placeholder 3">
+            <a:extLst>
+              <a:ext uri="{FF2B5EF4-FFF2-40B4-BE49-F238E27FC236}">
+                <a16:creationId xmlns:a16="http://schemas.microsoft.com/office/drawing/2014/main" id="{48405292-3E50-4195-8E6A-AAD213C54DC2}"/>
+              </a:ext>
+            </a:extLst>
+          </p:cNvPr>
+          <p:cNvSpPr>
+            <a:spLocks noGrp="1"/>
+          </p:cNvSpPr>
+          <p:nvPr>
+            <p:ph idx="1"/>
+          </p:nvPr>
+        </p:nvSpPr>
+        <p:spPr>
+          <a:xfrm>
+            <a:off x="319090" y="2880362"/>
+            <a:ext cx="8508999" cy="3581398"/>
+          </a:xfrm>
+        </p:spPr>
+        <p:txBody>
+          <a:bodyPr/>
+          <a:lstStyle/>
+          <a:p>
+            <a:pPr marL="461963" lvl="1" indent="-285750">
+              <a:buFont typeface="Arial" panose="020B0604020202020204" pitchFamily="34" charset="0"/>
+              <a:buChar char="•"/>
+            </a:pPr>
+            <a:endParaRPr lang="en-GB" sz="1800" dirty="0">
+              <a:effectLst/>
+              <a:latin typeface="NimbusRomNo9L"/>
+            </a:endParaRPr>
+          </a:p>
+          <a:p>
+            <a:pPr marL="285750" indent="-285750">
+              <a:buFont typeface="Arial" panose="020B0604020202020204" pitchFamily="34" charset="0"/>
+              <a:buChar char="•"/>
+            </a:pPr>
+            <a:endParaRPr lang="en-GB" sz="1800" dirty="0">
+              <a:latin typeface="NimbusRomNo9L"/>
+            </a:endParaRPr>
+          </a:p>
+          <a:p>
+            <a:pPr marL="285750" indent="-285750">
+              <a:buFont typeface="Arial" panose="020B0604020202020204" pitchFamily="34" charset="0"/>
+              <a:buChar char="•"/>
+            </a:pPr>
+            <a:endParaRPr lang="en-GB" dirty="0"/>
+          </a:p>
+          <a:p>
+            <a:endParaRPr lang="en-US" dirty="0"/>
+          </a:p>
+        </p:txBody>
+      </p:sp>
+      <p:sp>
+        <p:nvSpPr>
+          <p:cNvPr id="6" name="TextBox 5">
+            <a:extLst>
+              <a:ext uri="{FF2B5EF4-FFF2-40B4-BE49-F238E27FC236}">
+                <a16:creationId xmlns:a16="http://schemas.microsoft.com/office/drawing/2014/main" id="{2C9A65F4-3E8D-4940-17F3-4D506B0EA01F}"/>
+              </a:ext>
+            </a:extLst>
+          </p:cNvPr>
+          <p:cNvSpPr txBox="1"/>
+          <p:nvPr/>
+        </p:nvSpPr>
+        <p:spPr>
+          <a:xfrm>
+            <a:off x="385763" y="1628775"/>
+            <a:ext cx="8441171" cy="537968"/>
+          </a:xfrm>
+          <a:prstGeom prst="rect">
+            <a:avLst/>
+          </a:prstGeom>
+          <a:noFill/>
+        </p:spPr>
+        <p:txBody>
+          <a:bodyPr wrap="square" lIns="0" tIns="0" rIns="0" bIns="0" rtlCol="0">
+            <a:spAutoFit/>
+          </a:bodyPr>
+          <a:lstStyle/>
+          <a:p>
+            <a:pPr>
+              <a:lnSpc>
+                <a:spcPct val="114000"/>
+              </a:lnSpc>
+            </a:pPr>
+            <a:r>
+              <a:rPr lang="en-US" sz="1600" dirty="0">
+                <a:latin typeface="+mn-lt"/>
+              </a:rPr>
+              <a:t>Performance results of various models in the multi-view setting, measured by the overall Intersection over Union (</a:t>
+            </a:r>
+            <a:r>
+              <a:rPr lang="en-US" sz="1600" dirty="0" err="1">
+                <a:latin typeface="+mn-lt"/>
+              </a:rPr>
+              <a:t>IoU</a:t>
+            </a:r>
+            <a:r>
+              <a:rPr lang="en-US" sz="1600" dirty="0">
+                <a:latin typeface="+mn-lt"/>
+              </a:rPr>
+              <a:t>) across all classes.</a:t>
+            </a:r>
+          </a:p>
+        </p:txBody>
+      </p:sp>
+      <p:pic>
+        <p:nvPicPr>
+          <p:cNvPr id="7" name="Picture 6">
+            <a:extLst>
+              <a:ext uri="{FF2B5EF4-FFF2-40B4-BE49-F238E27FC236}">
+                <a16:creationId xmlns:a16="http://schemas.microsoft.com/office/drawing/2014/main" id="{6F6493E2-48F2-23E6-787D-6D0319822C62}"/>
+              </a:ext>
+            </a:extLst>
+          </p:cNvPr>
+          <p:cNvPicPr>
+            <a:picLocks noChangeAspect="1"/>
+          </p:cNvPicPr>
+          <p:nvPr/>
+        </p:nvPicPr>
+        <p:blipFill>
+          <a:blip r:embed="rId3"/>
+          <a:stretch>
+            <a:fillRect/>
+          </a:stretch>
+        </p:blipFill>
+        <p:spPr>
+          <a:xfrm>
+            <a:off x="295089" y="3012531"/>
+            <a:ext cx="8529821" cy="1259741"/>
+          </a:xfrm>
+          <a:prstGeom prst="rect">
+            <a:avLst/>
+          </a:prstGeom>
+        </p:spPr>
+      </p:pic>
+    </p:spTree>
+    <p:extLst>
+      <p:ext uri="{BB962C8B-B14F-4D97-AF65-F5344CB8AC3E}">
+        <p14:creationId xmlns:p14="http://schemas.microsoft.com/office/powerpoint/2010/main" val="3165445263"/>
       </p:ext>
     </p:extLst>
   </p:cSld>
